--- a/slides/03-visualization-pt1.pptx
+++ b/slides/03-visualization-pt1.pptx
@@ -224,7 +224,7 @@
           <a:p>
             <a:fld id="{3480762A-3D40-674C-A027-9B56C969D92C}" type="datetimeFigureOut">
               <a:rPr lang="en-US" smtClean="0"/>
-              <a:t>8/7/23</a:t>
+              <a:t>8/9/23</a:t>
             </a:fld>
             <a:endParaRPr lang="en-US"/>
           </a:p>
@@ -887,7 +887,7 @@
             <a:fld id="{5586B75A-687E-405C-8A0B-8D00578BA2C3}" type="datetimeFigureOut">
               <a:rPr lang="en-US" smtClean="0"/>
               <a:pPr/>
-              <a:t>8/7/23</a:t>
+              <a:t>8/9/23</a:t>
             </a:fld>
             <a:endParaRPr lang="en-US" dirty="0"/>
           </a:p>
@@ -1059,7 +1059,7 @@
             <a:fld id="{5586B75A-687E-405C-8A0B-8D00578BA2C3}" type="datetimeFigureOut">
               <a:rPr lang="en-US" smtClean="0"/>
               <a:pPr/>
-              <a:t>8/7/23</a:t>
+              <a:t>8/9/23</a:t>
             </a:fld>
             <a:endParaRPr lang="en-US" dirty="0"/>
           </a:p>
@@ -1241,7 +1241,7 @@
             <a:fld id="{5586B75A-687E-405C-8A0B-8D00578BA2C3}" type="datetimeFigureOut">
               <a:rPr lang="en-US" smtClean="0"/>
               <a:pPr/>
-              <a:t>8/7/23</a:t>
+              <a:t>8/9/23</a:t>
             </a:fld>
             <a:endParaRPr lang="en-US" dirty="0"/>
           </a:p>
@@ -1413,7 +1413,7 @@
             <a:fld id="{5586B75A-687E-405C-8A0B-8D00578BA2C3}" type="datetimeFigureOut">
               <a:rPr lang="en-US" smtClean="0"/>
               <a:pPr/>
-              <a:t>8/7/23</a:t>
+              <a:t>8/9/23</a:t>
             </a:fld>
             <a:endParaRPr lang="en-US" dirty="0"/>
           </a:p>
@@ -1669,7 +1669,7 @@
             <a:fld id="{5586B75A-687E-405C-8A0B-8D00578BA2C3}" type="datetimeFigureOut">
               <a:rPr lang="en-US" smtClean="0"/>
               <a:pPr/>
-              <a:t>8/7/23</a:t>
+              <a:t>8/9/23</a:t>
             </a:fld>
             <a:endParaRPr lang="en-US" dirty="0"/>
           </a:p>
@@ -1959,7 +1959,7 @@
             <a:fld id="{5586B75A-687E-405C-8A0B-8D00578BA2C3}" type="datetimeFigureOut">
               <a:rPr lang="en-US" smtClean="0"/>
               <a:pPr/>
-              <a:t>8/7/23</a:t>
+              <a:t>8/9/23</a:t>
             </a:fld>
             <a:endParaRPr lang="en-US" dirty="0"/>
           </a:p>
@@ -2403,7 +2403,7 @@
             <a:fld id="{5586B75A-687E-405C-8A0B-8D00578BA2C3}" type="datetimeFigureOut">
               <a:rPr lang="en-US" smtClean="0"/>
               <a:pPr/>
-              <a:t>8/7/23</a:t>
+              <a:t>8/9/23</a:t>
             </a:fld>
             <a:endParaRPr lang="en-US" dirty="0"/>
           </a:p>
@@ -2523,7 +2523,7 @@
             <a:fld id="{5586B75A-687E-405C-8A0B-8D00578BA2C3}" type="datetimeFigureOut">
               <a:rPr lang="en-US" smtClean="0"/>
               <a:pPr/>
-              <a:t>8/7/23</a:t>
+              <a:t>8/9/23</a:t>
             </a:fld>
             <a:endParaRPr lang="en-US" dirty="0"/>
           </a:p>
@@ -2620,7 +2620,7 @@
             <a:fld id="{5586B75A-687E-405C-8A0B-8D00578BA2C3}" type="datetimeFigureOut">
               <a:rPr lang="en-US" smtClean="0"/>
               <a:pPr/>
-              <a:t>8/7/23</a:t>
+              <a:t>8/9/23</a:t>
             </a:fld>
             <a:endParaRPr lang="en-US" dirty="0"/>
           </a:p>
@@ -2910,7 +2910,7 @@
             <a:fld id="{5586B75A-687E-405C-8A0B-8D00578BA2C3}" type="datetimeFigureOut">
               <a:rPr lang="en-US" smtClean="0"/>
               <a:pPr/>
-              <a:t>8/7/23</a:t>
+              <a:t>8/9/23</a:t>
             </a:fld>
             <a:endParaRPr lang="en-US" dirty="0"/>
           </a:p>
@@ -3185,7 +3185,7 @@
             <a:fld id="{5586B75A-687E-405C-8A0B-8D00578BA2C3}" type="datetimeFigureOut">
               <a:rPr lang="en-US" smtClean="0"/>
               <a:pPr/>
-              <a:t>8/7/23</a:t>
+              <a:t>8/9/23</a:t>
             </a:fld>
             <a:endParaRPr lang="en-US" dirty="0"/>
           </a:p>
@@ -3484,7 +3484,7 @@
             <a:fld id="{5586B75A-687E-405C-8A0B-8D00578BA2C3}" type="datetimeFigureOut">
               <a:rPr lang="en-US" smtClean="0"/>
               <a:pPr/>
-              <a:t>8/7/23</a:t>
+              <a:t>8/9/23</a:t>
             </a:fld>
             <a:endParaRPr lang="en-US" dirty="0"/>
           </a:p>
@@ -4020,6 +4020,51 @@
             <a:r>
               <a:rPr lang="en-US" dirty="0"/>
               <a:t>Dr. Ab Mosca (they/them) </a:t>
+            </a:r>
+          </a:p>
+        </p:txBody>
+      </p:sp>
+      <p:sp>
+        <p:nvSpPr>
+          <p:cNvPr id="4" name="TextBox 3">
+            <a:extLst>
+              <a:ext uri="{FF2B5EF4-FFF2-40B4-BE49-F238E27FC236}">
+                <a16:creationId xmlns:a16="http://schemas.microsoft.com/office/drawing/2014/main" id="{89AE7496-466A-3340-A47C-FBC3D5E7AAF5}"/>
+              </a:ext>
+            </a:extLst>
+          </p:cNvPr>
+          <p:cNvSpPr txBox="1"/>
+          <p:nvPr/>
+        </p:nvSpPr>
+        <p:spPr>
+          <a:xfrm>
+            <a:off x="2286000" y="6342185"/>
+            <a:ext cx="7444410" cy="369332"/>
+          </a:xfrm>
+          <a:prstGeom prst="rect">
+            <a:avLst/>
+          </a:prstGeom>
+          <a:noFill/>
+        </p:spPr>
+        <p:txBody>
+          <a:bodyPr wrap="none" rtlCol="0">
+            <a:spAutoFit/>
+          </a:bodyPr>
+          <a:lstStyle/>
+          <a:p>
+            <a:r>
+              <a:rPr lang="en-US" dirty="0"/>
+              <a:t>Slides based off slides courtesy of Jordan Crouser (</a:t>
+            </a:r>
+            <a:r>
+              <a:rPr lang="en-US" dirty="0">
+                <a:hlinkClick r:id="rId2"/>
+              </a:rPr>
+              <a:t>https://jcrouser.github.io/</a:t>
+            </a:r>
+            <a:r>
+              <a:rPr lang="en-US" dirty="0"/>
+              <a:t>) </a:t>
             </a:r>
           </a:p>
         </p:txBody>

--- a/slides/03-visualization-pt1.pptx
+++ b/slides/03-visualization-pt1.pptx
@@ -224,7 +224,7 @@
           <a:p>
             <a:fld id="{3480762A-3D40-674C-A027-9B56C969D92C}" type="datetimeFigureOut">
               <a:rPr lang="en-US" smtClean="0"/>
-              <a:t>8/9/23</a:t>
+              <a:t>9/11/23</a:t>
             </a:fld>
             <a:endParaRPr lang="en-US"/>
           </a:p>
@@ -887,7 +887,7 @@
             <a:fld id="{5586B75A-687E-405C-8A0B-8D00578BA2C3}" type="datetimeFigureOut">
               <a:rPr lang="en-US" smtClean="0"/>
               <a:pPr/>
-              <a:t>8/9/23</a:t>
+              <a:t>9/11/23</a:t>
             </a:fld>
             <a:endParaRPr lang="en-US" dirty="0"/>
           </a:p>
@@ -1059,7 +1059,7 @@
             <a:fld id="{5586B75A-687E-405C-8A0B-8D00578BA2C3}" type="datetimeFigureOut">
               <a:rPr lang="en-US" smtClean="0"/>
               <a:pPr/>
-              <a:t>8/9/23</a:t>
+              <a:t>9/11/23</a:t>
             </a:fld>
             <a:endParaRPr lang="en-US" dirty="0"/>
           </a:p>
@@ -1241,7 +1241,7 @@
             <a:fld id="{5586B75A-687E-405C-8A0B-8D00578BA2C3}" type="datetimeFigureOut">
               <a:rPr lang="en-US" smtClean="0"/>
               <a:pPr/>
-              <a:t>8/9/23</a:t>
+              <a:t>9/11/23</a:t>
             </a:fld>
             <a:endParaRPr lang="en-US" dirty="0"/>
           </a:p>
@@ -1413,7 +1413,7 @@
             <a:fld id="{5586B75A-687E-405C-8A0B-8D00578BA2C3}" type="datetimeFigureOut">
               <a:rPr lang="en-US" smtClean="0"/>
               <a:pPr/>
-              <a:t>8/9/23</a:t>
+              <a:t>9/11/23</a:t>
             </a:fld>
             <a:endParaRPr lang="en-US" dirty="0"/>
           </a:p>
@@ -1669,7 +1669,7 @@
             <a:fld id="{5586B75A-687E-405C-8A0B-8D00578BA2C3}" type="datetimeFigureOut">
               <a:rPr lang="en-US" smtClean="0"/>
               <a:pPr/>
-              <a:t>8/9/23</a:t>
+              <a:t>9/11/23</a:t>
             </a:fld>
             <a:endParaRPr lang="en-US" dirty="0"/>
           </a:p>
@@ -1959,7 +1959,7 @@
             <a:fld id="{5586B75A-687E-405C-8A0B-8D00578BA2C3}" type="datetimeFigureOut">
               <a:rPr lang="en-US" smtClean="0"/>
               <a:pPr/>
-              <a:t>8/9/23</a:t>
+              <a:t>9/11/23</a:t>
             </a:fld>
             <a:endParaRPr lang="en-US" dirty="0"/>
           </a:p>
@@ -2403,7 +2403,7 @@
             <a:fld id="{5586B75A-687E-405C-8A0B-8D00578BA2C3}" type="datetimeFigureOut">
               <a:rPr lang="en-US" smtClean="0"/>
               <a:pPr/>
-              <a:t>8/9/23</a:t>
+              <a:t>9/11/23</a:t>
             </a:fld>
             <a:endParaRPr lang="en-US" dirty="0"/>
           </a:p>
@@ -2523,7 +2523,7 @@
             <a:fld id="{5586B75A-687E-405C-8A0B-8D00578BA2C3}" type="datetimeFigureOut">
               <a:rPr lang="en-US" smtClean="0"/>
               <a:pPr/>
-              <a:t>8/9/23</a:t>
+              <a:t>9/11/23</a:t>
             </a:fld>
             <a:endParaRPr lang="en-US" dirty="0"/>
           </a:p>
@@ -2620,7 +2620,7 @@
             <a:fld id="{5586B75A-687E-405C-8A0B-8D00578BA2C3}" type="datetimeFigureOut">
               <a:rPr lang="en-US" smtClean="0"/>
               <a:pPr/>
-              <a:t>8/9/23</a:t>
+              <a:t>9/11/23</a:t>
             </a:fld>
             <a:endParaRPr lang="en-US" dirty="0"/>
           </a:p>
@@ -2910,7 +2910,7 @@
             <a:fld id="{5586B75A-687E-405C-8A0B-8D00578BA2C3}" type="datetimeFigureOut">
               <a:rPr lang="en-US" smtClean="0"/>
               <a:pPr/>
-              <a:t>8/9/23</a:t>
+              <a:t>9/11/23</a:t>
             </a:fld>
             <a:endParaRPr lang="en-US" dirty="0"/>
           </a:p>
@@ -3185,7 +3185,7 @@
             <a:fld id="{5586B75A-687E-405C-8A0B-8D00578BA2C3}" type="datetimeFigureOut">
               <a:rPr lang="en-US" smtClean="0"/>
               <a:pPr/>
-              <a:t>8/9/23</a:t>
+              <a:t>9/11/23</a:t>
             </a:fld>
             <a:endParaRPr lang="en-US" dirty="0"/>
           </a:p>
@@ -3484,7 +3484,7 @@
             <a:fld id="{5586B75A-687E-405C-8A0B-8D00578BA2C3}" type="datetimeFigureOut">
               <a:rPr lang="en-US" smtClean="0"/>
               <a:pPr/>
-              <a:t>8/9/23</a:t>
+              <a:t>9/11/23</a:t>
             </a:fld>
             <a:endParaRPr lang="en-US" dirty="0"/>
           </a:p>
@@ -3991,8 +3991,13 @@
           <a:p>
             <a:r>
               <a:rPr lang="en-US" dirty="0"/>
-              <a:t>Data Science for Everyone – Introduction to Visualization</a:t>
-            </a:r>
+              <a:t>Data Science for Everyone – </a:t>
+            </a:r>
+            <a:r>
+              <a:rPr lang="en-US"/>
+              <a:t>Visualization Pt 1</a:t>
+            </a:r>
+            <a:endParaRPr lang="en-US" dirty="0"/>
           </a:p>
         </p:txBody>
       </p:sp>
